--- a/project_presentation_template.pptx
+++ b/project_presentation_template.pptx
@@ -113,6 +113,11 @@
       </a:defRPr>
     </a:lvl9pPr>
   </p:defaultTextStyle>
+  <p:extLst>
+    <p:ext uri="{EFAFB233-063F-42B5-8137-9DF3F51BA10A}">
+      <p15:sldGuideLst xmlns:p15="http://schemas.microsoft.com/office/powerpoint/2012/main"/>
+    </p:ext>
+  </p:extLst>
 </p:presentation>
 </file>
 
@@ -4042,7 +4047,7 @@
         <p:spPr>
           <a:xfrm>
             <a:off x="504672" y="744176"/>
-            <a:ext cx="9071280" cy="4384080"/>
+            <a:ext cx="9071280" cy="1633264"/>
           </a:xfrm>
           <a:prstGeom prst="rect">
             <a:avLst/>
@@ -4087,6 +4092,152 @@
           </a:p>
         </p:txBody>
       </p:sp>
+      <p:sp>
+        <p:nvSpPr>
+          <p:cNvPr id="3" name="CustomShape 2">
+            <a:extLst>
+              <a:ext uri="{FF2B5EF4-FFF2-40B4-BE49-F238E27FC236}">
+                <a16:creationId xmlns:a16="http://schemas.microsoft.com/office/drawing/2014/main" id="{08B1538C-EAB7-4D06-8438-6AE188CB1614}"/>
+              </a:ext>
+            </a:extLst>
+          </p:cNvPr>
+          <p:cNvSpPr/>
+          <p:nvPr/>
+        </p:nvSpPr>
+        <p:spPr>
+          <a:xfrm>
+            <a:off x="-690868" y="1938492"/>
+            <a:ext cx="7631640" cy="3682689"/>
+          </a:xfrm>
+          <a:prstGeom prst="rect">
+            <a:avLst/>
+          </a:prstGeom>
+          <a:noFill/>
+          <a:ln>
+            <a:noFill/>
+          </a:ln>
+        </p:spPr>
+        <p:style>
+          <a:lnRef idx="0">
+            <a:scrgbClr r="0" g="0" b="0"/>
+          </a:lnRef>
+          <a:fillRef idx="0">
+            <a:scrgbClr r="0" g="0" b="0"/>
+          </a:fillRef>
+          <a:effectRef idx="0">
+            <a:scrgbClr r="0" g="0" b="0"/>
+          </a:effectRef>
+          <a:fontRef idx="minor"/>
+        </p:style>
+        <p:txBody>
+          <a:bodyPr lIns="90000" tIns="45000" rIns="90000" bIns="45000">
+            <a:noAutofit/>
+          </a:bodyPr>
+          <a:lstStyle/>
+          <a:p>
+            <a:pPr>
+              <a:lnSpc>
+                <a:spcPct val="100000"/>
+              </a:lnSpc>
+              <a:spcBef>
+                <a:spcPts val="600"/>
+              </a:spcBef>
+              <a:spcAft>
+                <a:spcPts val="600"/>
+              </a:spcAft>
+            </a:pPr>
+            <a:r>
+              <a:rPr lang="he-IL" sz="2800" spc="-1" dirty="0">
+                <a:latin typeface="Arial"/>
+              </a:rPr>
+              <a:t>איה ברנשטיין, שחר יעקב</a:t>
+            </a:r>
+          </a:p>
+        </p:txBody>
+      </p:sp>
+      <p:sp>
+        <p:nvSpPr>
+          <p:cNvPr id="5" name="תיבת טקסט 4">
+            <a:extLst>
+              <a:ext uri="{FF2B5EF4-FFF2-40B4-BE49-F238E27FC236}">
+                <a16:creationId xmlns:a16="http://schemas.microsoft.com/office/drawing/2014/main" id="{B23B6CCE-D392-4E61-9044-136447DE50B5}"/>
+              </a:ext>
+            </a:extLst>
+          </p:cNvPr>
+          <p:cNvSpPr txBox="1"/>
+          <p:nvPr/>
+        </p:nvSpPr>
+        <p:spPr>
+          <a:xfrm>
+            <a:off x="2002888" y="3596026"/>
+            <a:ext cx="5384408" cy="369332"/>
+          </a:xfrm>
+          <a:prstGeom prst="rect">
+            <a:avLst/>
+          </a:prstGeom>
+          <a:noFill/>
+        </p:spPr>
+        <p:txBody>
+          <a:bodyPr wrap="square">
+            <a:spAutoFit/>
+          </a:bodyPr>
+          <a:lstStyle/>
+          <a:p>
+            <a:r>
+              <a:rPr lang="he-IL" dirty="0">
+                <a:hlinkClick r:id="rId2"/>
+              </a:rPr>
+              <a:t>https://github.com/shaharjacob/hebrew-songs</a:t>
+            </a:r>
+            <a:endParaRPr lang="he-IL" dirty="0"/>
+          </a:p>
+        </p:txBody>
+      </p:sp>
+      <p:pic>
+        <p:nvPicPr>
+          <p:cNvPr id="1026" name="Picture 2" descr="A Deep Dive Into GitHub Actions">
+            <a:extLst>
+              <a:ext uri="{FF2B5EF4-FFF2-40B4-BE49-F238E27FC236}">
+                <a16:creationId xmlns:a16="http://schemas.microsoft.com/office/drawing/2014/main" id="{5AA9AF19-2FA4-429C-A579-22EFFB5843A0}"/>
+              </a:ext>
+            </a:extLst>
+          </p:cNvPr>
+          <p:cNvPicPr>
+            <a:picLocks noChangeAspect="1" noChangeArrowheads="1"/>
+          </p:cNvPicPr>
+          <p:nvPr/>
+        </p:nvPicPr>
+        <p:blipFill rotWithShape="1">
+          <a:blip r:embed="rId3">
+            <a:extLst>
+              <a:ext uri="{28A0092B-C50C-407E-A947-70E740481C1C}">
+                <a14:useLocalDpi xmlns:a14="http://schemas.microsoft.com/office/drawing/2010/main" val="0"/>
+              </a:ext>
+            </a:extLst>
+          </a:blip>
+          <a:srcRect l="24366" t="4543" r="22250" b="9334"/>
+          <a:stretch/>
+        </p:blipFill>
+        <p:spPr bwMode="auto">
+          <a:xfrm>
+            <a:off x="4487592" y="2807939"/>
+            <a:ext cx="912765" cy="794825"/>
+          </a:xfrm>
+          <a:prstGeom prst="rect">
+            <a:avLst/>
+          </a:prstGeom>
+          <a:noFill/>
+          <a:extLst>
+            <a:ext uri="{909E8E84-426E-40DD-AFC4-6F175D3DCCD1}">
+              <a14:hiddenFill xmlns:a14="http://schemas.microsoft.com/office/drawing/2010/main">
+                <a:solidFill>
+                  <a:srgbClr val="FFFFFF"/>
+                </a:solidFill>
+              </a14:hiddenFill>
+            </a:ext>
+          </a:extLst>
+        </p:spPr>
+      </p:pic>
     </p:spTree>
   </p:cSld>
   <p:clrMapOvr>
@@ -4768,11 +4919,14 @@
               </a:lnSpc>
             </a:pPr>
             <a:r>
-              <a:rPr lang="en-US" sz="6600" b="0" strike="noStrike" spc="-1" dirty="0">
+              <a:rPr lang="he-IL" sz="6600" spc="-1" dirty="0" err="1">
                 <a:latin typeface="Arial"/>
               </a:rPr>
-              <a:t>Pipeline</a:t>
+              <a:t>פייפליין</a:t>
             </a:r>
+            <a:endParaRPr lang="en-US" sz="6600" b="0" strike="noStrike" spc="-1" dirty="0">
+              <a:latin typeface="Arial"/>
+            </a:endParaRPr>
           </a:p>
         </p:txBody>
       </p:sp>
@@ -4824,7 +4978,7 @@
               <a:rPr lang="he-IL" sz="2400" spc="-1" dirty="0">
                 <a:latin typeface="Arial"/>
               </a:rPr>
-              <a:t>חילוץ מידע מהאינטרנט ויציאת </a:t>
+              <a:t>חילוץ מידע מהאינטרנט ויצירת </a:t>
             </a:r>
             <a:r>
               <a:rPr lang="en-US" sz="2400" spc="-1" dirty="0" err="1">
@@ -4905,13 +5059,7 @@
               <a:rPr lang="he-IL" sz="2400" spc="-1" dirty="0">
                 <a:latin typeface="Arial"/>
               </a:rPr>
-              <a:t>ניסיון לנבא באיזה עשור השיר נכתב, והאם </a:t>
-            </a:r>
-            <a:r>
-              <a:rPr lang="he-IL" sz="2400" spc="-1">
-                <a:latin typeface="Arial"/>
-              </a:rPr>
-              <a:t>הוא מצליח.</a:t>
+              <a:t>ניסיון לנבא באיזה עשור השיר נכתב, והאם הוא מצליח.</a:t>
             </a:r>
             <a:endParaRPr lang="en-US" sz="2400" b="0" strike="noStrike" spc="-1" dirty="0">
               <a:latin typeface="Arial"/>
@@ -4997,11 +5145,14 @@
               </a:lnSpc>
             </a:pPr>
             <a:r>
-              <a:rPr lang="en-US" sz="4400" b="0" strike="noStrike" spc="-1">
+              <a:rPr lang="he-IL" sz="4400" b="0" strike="noStrike" spc="-1" dirty="0">
                 <a:latin typeface="Arial"/>
               </a:rPr>
-              <a:t>What went as expected</a:t>
+              <a:t>מה הלך או לא הלך כמצופה</a:t>
             </a:r>
+            <a:endParaRPr lang="en-US" sz="4400" b="0" strike="noStrike" spc="-1" dirty="0">
+              <a:latin typeface="Arial"/>
+            </a:endParaRPr>
           </a:p>
         </p:txBody>
       </p:sp>
@@ -5036,6 +5187,110 @@
           </a:effectRef>
           <a:fontRef idx="minor"/>
         </p:style>
+      </p:sp>
+      <p:sp>
+        <p:nvSpPr>
+          <p:cNvPr id="4" name="CustomShape 2">
+            <a:extLst>
+              <a:ext uri="{FF2B5EF4-FFF2-40B4-BE49-F238E27FC236}">
+                <a16:creationId xmlns:a16="http://schemas.microsoft.com/office/drawing/2014/main" id="{0F44BD1E-F477-426E-A291-92F3152D863B}"/>
+              </a:ext>
+            </a:extLst>
+          </p:cNvPr>
+          <p:cNvSpPr/>
+          <p:nvPr/>
+        </p:nvSpPr>
+        <p:spPr>
+          <a:xfrm>
+            <a:off x="1144966" y="1705237"/>
+            <a:ext cx="7631640" cy="4761360"/>
+          </a:xfrm>
+          <a:prstGeom prst="rect">
+            <a:avLst/>
+          </a:prstGeom>
+          <a:noFill/>
+          <a:ln>
+            <a:noFill/>
+          </a:ln>
+        </p:spPr>
+        <p:style>
+          <a:lnRef idx="0">
+            <a:scrgbClr r="0" g="0" b="0"/>
+          </a:lnRef>
+          <a:fillRef idx="0">
+            <a:scrgbClr r="0" g="0" b="0"/>
+          </a:fillRef>
+          <a:effectRef idx="0">
+            <a:scrgbClr r="0" g="0" b="0"/>
+          </a:effectRef>
+          <a:fontRef idx="minor"/>
+        </p:style>
+        <p:txBody>
+          <a:bodyPr lIns="90000" tIns="45000" rIns="90000" bIns="45000">
+            <a:noAutofit/>
+          </a:bodyPr>
+          <a:lstStyle/>
+          <a:p>
+            <a:pPr marL="342900" indent="-342900">
+              <a:lnSpc>
+                <a:spcPct val="100000"/>
+              </a:lnSpc>
+              <a:buFont typeface="Arial" panose="020B0604020202020204" pitchFamily="34" charset="0"/>
+              <a:buChar char="•"/>
+            </a:pPr>
+            <a:r>
+              <a:rPr lang="he-IL" sz="2400" spc="-1" dirty="0">
+                <a:latin typeface="Arial"/>
+              </a:rPr>
+              <a:t>חילוץ מידע של שם השיר, אמן מבצע ומילות השיר הלך כמצופה.</a:t>
+            </a:r>
+          </a:p>
+          <a:p>
+            <a:pPr marL="342900" indent="-342900">
+              <a:lnSpc>
+                <a:spcPct val="100000"/>
+              </a:lnSpc>
+              <a:buFont typeface="Arial" panose="020B0604020202020204" pitchFamily="34" charset="0"/>
+              <a:buChar char="•"/>
+            </a:pPr>
+            <a:r>
+              <a:rPr lang="he-IL" sz="2400" spc="-1" dirty="0">
+                <a:latin typeface="Arial"/>
+              </a:rPr>
+              <a:t>חילוץ השירים המצליחים בכל עשור הלך במצופה (מצעדי פזמונים לאורך השנים בוויקיפדיה).</a:t>
+            </a:r>
+          </a:p>
+          <a:p>
+            <a:pPr marL="342900" indent="-342900">
+              <a:lnSpc>
+                <a:spcPct val="100000"/>
+              </a:lnSpc>
+              <a:buFont typeface="Arial" panose="020B0604020202020204" pitchFamily="34" charset="0"/>
+              <a:buChar char="•"/>
+            </a:pPr>
+            <a:r>
+              <a:rPr lang="he-IL" sz="2400" spc="-1" dirty="0">
+                <a:latin typeface="Arial"/>
+              </a:rPr>
+              <a:t>חילוץ שנת השיר היה קצת יותר מורכב משחשבנו, לבסוף הצלחנו באמצעות גוגל, אך הרבה שירים סוננו.</a:t>
+            </a:r>
+            <a:endParaRPr lang="en-US" sz="2400" spc="-1" dirty="0">
+              <a:latin typeface="Arial"/>
+            </a:endParaRPr>
+          </a:p>
+          <a:p>
+            <a:pPr marL="342900" indent="-342900">
+              <a:lnSpc>
+                <a:spcPct val="100000"/>
+              </a:lnSpc>
+              <a:buFont typeface="Arial" panose="020B0604020202020204" pitchFamily="34" charset="0"/>
+              <a:buChar char="•"/>
+            </a:pPr>
+            <a:endParaRPr lang="he-IL" sz="2400" spc="-1" dirty="0">
+              <a:latin typeface="Arial"/>
+            </a:endParaRPr>
+          </a:p>
+        </p:txBody>
       </p:sp>
     </p:spTree>
   </p:cSld>
@@ -5105,7 +5360,7 @@
               </a:lnSpc>
             </a:pPr>
             <a:r>
-              <a:rPr lang="en-US" sz="6600" b="0" strike="noStrike" spc="-1">
+              <a:rPr lang="en-US" sz="6600" b="0" strike="noStrike" spc="-1" dirty="0">
                 <a:latin typeface="Arial"/>
               </a:rPr>
               <a:t>Surprises and Insights so far</a:t>
@@ -5258,11 +5513,14 @@
               </a:lnSpc>
             </a:pPr>
             <a:r>
-              <a:rPr lang="en-US" sz="4400" b="0" strike="noStrike" spc="-1">
+              <a:rPr lang="he-IL" sz="4400" spc="-1" dirty="0">
                 <a:latin typeface="Arial"/>
               </a:rPr>
-              <a:t>Summary</a:t>
+              <a:t>סיכום</a:t>
             </a:r>
+            <a:endParaRPr lang="en-US" sz="4400" b="0" strike="noStrike" spc="-1" dirty="0">
+              <a:latin typeface="Arial"/>
+            </a:endParaRPr>
           </a:p>
         </p:txBody>
       </p:sp>
@@ -5303,17 +5561,22 @@
           </a:bodyPr>
           <a:lstStyle/>
           <a:p>
-            <a:pPr>
+            <a:pPr marL="457200" indent="-457200">
               <a:lnSpc>
                 <a:spcPct val="100000"/>
               </a:lnSpc>
+              <a:buFont typeface="Arial" panose="020B0604020202020204" pitchFamily="34" charset="0"/>
+              <a:buChar char="•"/>
             </a:pPr>
             <a:r>
-              <a:rPr lang="en-US" sz="3200" b="0" strike="noStrike" spc="-1">
+              <a:rPr lang="he-IL" sz="3200" b="0" strike="noStrike" spc="-1" dirty="0">
                 <a:latin typeface="Arial"/>
               </a:rPr>
-              <a:t>Several sentences on what you achieved so far.</a:t>
+              <a:t>עד עכשיו בעיקר אספנו את הדאטא שאיתו נעבוד.</a:t>
             </a:r>
+            <a:endParaRPr lang="en-US" sz="3200" b="0" strike="noStrike" spc="-1" dirty="0">
+              <a:latin typeface="Arial"/>
+            </a:endParaRPr>
           </a:p>
         </p:txBody>
       </p:sp>

--- a/project_presentation_template.pptx
+++ b/project_presentation_template.pptx
@@ -4747,25 +4747,8 @@
               <a:rPr lang="he-IL" sz="2400" spc="-1" dirty="0">
                 <a:latin typeface="Arial"/>
               </a:rPr>
-              <a:t>הדאטא שלנו בצורתו הבסיסית (ייתכן ויוספו עוד שדות), מכיל את שם השיר, האמן שמבצע, שנת ההפצה, ומילות השיר. </a:t>
+              <a:t>הדאטא שלנו בצורתו הבסיסית (ייתכן ויוספו עוד שדות), מכיל את שם השיר, האמן שמבצע, שנת ההפצה, האם השיר היה להיט באותו עשור, ומילות השיר. </a:t>
             </a:r>
-          </a:p>
-          <a:p>
-            <a:pPr marL="108360">
-              <a:lnSpc>
-                <a:spcPct val="100000"/>
-              </a:lnSpc>
-              <a:spcBef>
-                <a:spcPts val="615"/>
-              </a:spcBef>
-              <a:buClr>
-                <a:srgbClr val="000000"/>
-              </a:buClr>
-              <a:buSzPct val="45000"/>
-            </a:pPr>
-            <a:endParaRPr lang="he-IL" sz="2400" spc="-1" dirty="0">
-              <a:latin typeface="Arial"/>
-            </a:endParaRPr>
           </a:p>
           <a:p>
             <a:pPr marL="432000" indent="-323640">
@@ -4800,23 +4783,6 @@
               </a:rPr>
               <a:t> מאתרי שירים שונים. לאחר מכן חילוץ תאריך ההפצה מגוגל. לא לכולם ניתן למצוא תאריך הפצה בצורה אוטומטית ואלה יסוננו.</a:t>
             </a:r>
-          </a:p>
-          <a:p>
-            <a:pPr marL="108360">
-              <a:lnSpc>
-                <a:spcPct val="100000"/>
-              </a:lnSpc>
-              <a:spcBef>
-                <a:spcPts val="615"/>
-              </a:spcBef>
-              <a:buClr>
-                <a:srgbClr val="000000"/>
-              </a:buClr>
-              <a:buSzPct val="45000"/>
-            </a:pPr>
-            <a:endParaRPr lang="he-IL" sz="2400" spc="-1" dirty="0">
-              <a:latin typeface="Arial"/>
-            </a:endParaRPr>
           </a:p>
           <a:p>
             <a:pPr marL="432000" indent="-323640">

--- a/project_presentation_template.pptx
+++ b/project_presentation_template.pptx
@@ -12,9 +12,7 @@
     <p:sldId id="259" r:id="rId6"/>
     <p:sldId id="260" r:id="rId7"/>
     <p:sldId id="261" r:id="rId8"/>
-    <p:sldId id="262" r:id="rId9"/>
-    <p:sldId id="263" r:id="rId10"/>
-    <p:sldId id="264" r:id="rId11"/>
+    <p:sldId id="263" r:id="rId9"/>
   </p:sldIdLst>
   <p:sldSz cx="10080625" cy="7559675"/>
   <p:notesSz cx="7559675" cy="10691813"/>
@@ -4605,7 +4603,7 @@
               <a:rPr lang="he-IL" sz="2800" spc="-1" dirty="0">
                 <a:latin typeface="Arial"/>
               </a:rPr>
-              <a:t>מחאה (מילים שקשורות לפוליטיקה למשל), חרוזים, ועוד...</a:t>
+              <a:t>מחאה (מילים שקשורות לפוליטיקה למשל), חרוזים, שיר שמח או עצוב, ועוד...</a:t>
             </a:r>
             <a:endParaRPr lang="en-US" sz="2800" b="0" strike="noStrike" spc="-1" dirty="0">
               <a:latin typeface="Arial"/>
@@ -4769,19 +4767,7 @@
               <a:rPr lang="he-IL" sz="2400" spc="-1" dirty="0">
                 <a:latin typeface="Arial"/>
               </a:rPr>
-              <a:t>שם השיר, האמן שמבצע ושנת ההפצה ע"י גישת </a:t>
-            </a:r>
-            <a:r>
-              <a:rPr lang="en-US" sz="2400" spc="-1" dirty="0" err="1">
-                <a:latin typeface="Arial"/>
-              </a:rPr>
-              <a:t>requests.get</a:t>
-            </a:r>
-            <a:r>
-              <a:rPr lang="he-IL" sz="2400" spc="-1" dirty="0">
-                <a:latin typeface="Arial"/>
-              </a:rPr>
-              <a:t> מאתרי שירים שונים. לאחר מכן חילוץ תאריך ההפצה מגוגל. לא לכולם ניתן למצוא תאריך הפצה בצורה אוטומטית ואלה יסוננו.</a:t>
+              <a:t>שם השיר, האמן שמבצע ומילות השיר מחולצים מאתרי שירים שונים. לאחר מכן חילוץ שנת ההפצה מגוגל. לא לכולם ניתן למצוא תאריך הפצה בצורה אוטומטית ואלה יסוננו.</a:t>
             </a:r>
           </a:p>
           <a:p>
@@ -5285,159 +5271,6 @@
       </p:grpSpPr>
       <p:sp>
         <p:nvSpPr>
-          <p:cNvPr id="88" name="CustomShape 1"/>
-          <p:cNvSpPr/>
-          <p:nvPr/>
-        </p:nvSpPr>
-        <p:spPr>
-          <a:xfrm>
-            <a:off x="504000" y="-5040"/>
-            <a:ext cx="9071280" cy="1874880"/>
-          </a:xfrm>
-          <a:prstGeom prst="rect">
-            <a:avLst/>
-          </a:prstGeom>
-          <a:noFill/>
-          <a:ln>
-            <a:noFill/>
-          </a:ln>
-        </p:spPr>
-        <p:style>
-          <a:lnRef idx="0">
-            <a:scrgbClr r="0" g="0" b="0"/>
-          </a:lnRef>
-          <a:fillRef idx="0">
-            <a:scrgbClr r="0" g="0" b="0"/>
-          </a:fillRef>
-          <a:effectRef idx="0">
-            <a:scrgbClr r="0" g="0" b="0"/>
-          </a:effectRef>
-          <a:fontRef idx="minor"/>
-        </p:style>
-        <p:txBody>
-          <a:bodyPr lIns="0" tIns="0" rIns="0" bIns="0" anchor="ctr">
-            <a:noAutofit/>
-          </a:bodyPr>
-          <a:lstStyle/>
-          <a:p>
-            <a:pPr algn="ctr">
-              <a:lnSpc>
-                <a:spcPct val="100000"/>
-              </a:lnSpc>
-            </a:pPr>
-            <a:r>
-              <a:rPr lang="en-US" sz="6600" b="0" strike="noStrike" spc="-1" dirty="0">
-                <a:latin typeface="Arial"/>
-              </a:rPr>
-              <a:t>Surprises and Insights so far</a:t>
-            </a:r>
-          </a:p>
-        </p:txBody>
-      </p:sp>
-      <p:sp>
-        <p:nvSpPr>
-          <p:cNvPr id="89" name="CustomShape 2"/>
-          <p:cNvSpPr/>
-          <p:nvPr/>
-        </p:nvSpPr>
-        <p:spPr>
-          <a:xfrm>
-            <a:off x="1368000" y="2664000"/>
-            <a:ext cx="7127640" cy="1913040"/>
-          </a:xfrm>
-          <a:prstGeom prst="rect">
-            <a:avLst/>
-          </a:prstGeom>
-          <a:noFill/>
-          <a:ln>
-            <a:noFill/>
-          </a:ln>
-        </p:spPr>
-        <p:style>
-          <a:lnRef idx="0">
-            <a:scrgbClr r="0" g="0" b="0"/>
-          </a:lnRef>
-          <a:fillRef idx="0">
-            <a:scrgbClr r="0" g="0" b="0"/>
-          </a:fillRef>
-          <a:effectRef idx="0">
-            <a:scrgbClr r="0" g="0" b="0"/>
-          </a:effectRef>
-          <a:fontRef idx="minor"/>
-        </p:style>
-        <p:txBody>
-          <a:bodyPr lIns="90000" tIns="45000" rIns="90000" bIns="45000">
-            <a:noAutofit/>
-          </a:bodyPr>
-          <a:lstStyle/>
-          <a:p>
-            <a:pPr>
-              <a:lnSpc>
-                <a:spcPct val="100000"/>
-              </a:lnSpc>
-            </a:pPr>
-            <a:r>
-              <a:rPr lang="en-US" sz="3200" b="0" strike="noStrike" spc="-1">
-                <a:latin typeface="Arial"/>
-              </a:rPr>
-              <a:t>What did you see so far which surprised you?</a:t>
-            </a:r>
-          </a:p>
-          <a:p>
-            <a:pPr>
-              <a:lnSpc>
-                <a:spcPct val="100000"/>
-              </a:lnSpc>
-            </a:pPr>
-            <a:r>
-              <a:rPr lang="en-US" sz="3200" b="0" strike="noStrike" spc="-1">
-                <a:latin typeface="Arial"/>
-              </a:rPr>
-              <a:t>Unexpected issues or problems?</a:t>
-            </a:r>
-          </a:p>
-          <a:p>
-            <a:pPr>
-              <a:lnSpc>
-                <a:spcPct val="100000"/>
-              </a:lnSpc>
-            </a:pPr>
-            <a:r>
-              <a:rPr lang="en-US" sz="3200" b="0" strike="noStrike" spc="-1">
-                <a:latin typeface="Arial"/>
-              </a:rPr>
-              <a:t>New insights based on data?</a:t>
-            </a:r>
-          </a:p>
-        </p:txBody>
-      </p:sp>
-    </p:spTree>
-  </p:cSld>
-  <p:clrMapOvr>
-    <a:masterClrMapping/>
-  </p:clrMapOvr>
-</p:sld>
-</file>
-
-<file path=ppt/slides/slide8.xml><?xml version="1.0" encoding="utf-8"?>
-<p:sld xmlns:a="http://schemas.openxmlformats.org/drawingml/2006/main" xmlns:r="http://schemas.openxmlformats.org/officeDocument/2006/relationships" xmlns:p="http://schemas.openxmlformats.org/presentationml/2006/main">
-  <p:cSld>
-    <p:spTree>
-      <p:nvGrpSpPr>
-        <p:cNvPr id="1" name=""/>
-        <p:cNvGrpSpPr/>
-        <p:nvPr/>
-      </p:nvGrpSpPr>
-      <p:grpSpPr>
-        <a:xfrm>
-          <a:off x="0" y="0"/>
-          <a:ext cx="0" cy="0"/>
-          <a:chOff x="0" y="0"/>
-          <a:chExt cx="0" cy="0"/>
-        </a:xfrm>
-      </p:grpSpPr>
-      <p:sp>
-        <p:nvSpPr>
           <p:cNvPr id="90" name="CustomShape 1"/>
           <p:cNvSpPr/>
           <p:nvPr/>
@@ -5546,41 +5379,22 @@
           </a:p>
         </p:txBody>
       </p:sp>
-    </p:spTree>
-  </p:cSld>
-  <p:clrMapOvr>
-    <a:masterClrMapping/>
-  </p:clrMapOvr>
-</p:sld>
-</file>
-
-<file path=ppt/slides/slide9.xml><?xml version="1.0" encoding="utf-8"?>
-<p:sld xmlns:a="http://schemas.openxmlformats.org/drawingml/2006/main" xmlns:r="http://schemas.openxmlformats.org/officeDocument/2006/relationships" xmlns:p="http://schemas.openxmlformats.org/presentationml/2006/main">
-  <p:cSld>
-    <p:spTree>
-      <p:nvGrpSpPr>
-        <p:cNvPr id="1" name=""/>
-        <p:cNvGrpSpPr/>
-        <p:nvPr/>
-      </p:nvGrpSpPr>
-      <p:grpSpPr>
-        <a:xfrm>
-          <a:off x="0" y="0"/>
-          <a:ext cx="0" cy="0"/>
-          <a:chOff x="0" y="0"/>
-          <a:chExt cx="0" cy="0"/>
-        </a:xfrm>
-      </p:grpSpPr>
-      <p:sp>
-        <p:nvSpPr>
-          <p:cNvPr id="92" name="CustomShape 1"/>
+      <p:sp>
+        <p:nvSpPr>
+          <p:cNvPr id="4" name="CustomShape 2">
+            <a:extLst>
+              <a:ext uri="{FF2B5EF4-FFF2-40B4-BE49-F238E27FC236}">
+                <a16:creationId xmlns:a16="http://schemas.microsoft.com/office/drawing/2014/main" id="{25327ED9-8EBC-4951-8422-CF133617D344}"/>
+              </a:ext>
+            </a:extLst>
+          </p:cNvPr>
           <p:cNvSpPr/>
           <p:nvPr/>
         </p:nvSpPr>
         <p:spPr>
           <a:xfrm>
-            <a:off x="504000" y="301320"/>
-            <a:ext cx="9071280" cy="1261800"/>
+            <a:off x="936000" y="3520172"/>
+            <a:ext cx="8207640" cy="1001520"/>
           </a:xfrm>
           <a:prstGeom prst="rect">
             <a:avLst/>
@@ -5603,73 +5417,27 @@
           <a:fontRef idx="minor"/>
         </p:style>
         <p:txBody>
-          <a:bodyPr lIns="0" tIns="0" rIns="0" bIns="0" anchor="ctr">
+          <a:bodyPr lIns="90000" tIns="45000" rIns="90000" bIns="45000">
             <a:noAutofit/>
           </a:bodyPr>
           <a:lstStyle/>
           <a:p>
-            <a:pPr algn="ctr">
+            <a:pPr marL="457200" indent="-457200">
               <a:lnSpc>
                 <a:spcPct val="100000"/>
               </a:lnSpc>
+              <a:buFont typeface="Arial" panose="020B0604020202020204" pitchFamily="34" charset="0"/>
+              <a:buChar char="•"/>
             </a:pPr>
             <a:r>
-              <a:rPr lang="en-US" sz="4400" b="0" strike="noStrike" spc="-1">
+              <a:rPr lang="he-IL" sz="3200" b="0" strike="noStrike" spc="-1" dirty="0">
                 <a:latin typeface="Arial"/>
               </a:rPr>
-              <a:t>Further work</a:t>
+              <a:t>התחלנו אנליזה בסיסית של הטקסט (סטטיסטיקה של תדירות מילים וכו').</a:t>
             </a:r>
-          </a:p>
-        </p:txBody>
-      </p:sp>
-      <p:sp>
-        <p:nvSpPr>
-          <p:cNvPr id="93" name="CustomShape 2"/>
-          <p:cNvSpPr/>
-          <p:nvPr/>
-        </p:nvSpPr>
-        <p:spPr>
-          <a:xfrm>
-            <a:off x="936000" y="2376000"/>
-            <a:ext cx="8207640" cy="1457280"/>
-          </a:xfrm>
-          <a:prstGeom prst="rect">
-            <a:avLst/>
-          </a:prstGeom>
-          <a:noFill/>
-          <a:ln>
-            <a:noFill/>
-          </a:ln>
-        </p:spPr>
-        <p:style>
-          <a:lnRef idx="0">
-            <a:scrgbClr r="0" g="0" b="0"/>
-          </a:lnRef>
-          <a:fillRef idx="0">
-            <a:scrgbClr r="0" g="0" b="0"/>
-          </a:fillRef>
-          <a:effectRef idx="0">
-            <a:scrgbClr r="0" g="0" b="0"/>
-          </a:effectRef>
-          <a:fontRef idx="minor"/>
-        </p:style>
-        <p:txBody>
-          <a:bodyPr lIns="90000" tIns="45000" rIns="90000" bIns="45000">
-            <a:noAutofit/>
-          </a:bodyPr>
-          <a:lstStyle/>
-          <a:p>
-            <a:pPr>
-              <a:lnSpc>
-                <a:spcPct val="100000"/>
-              </a:lnSpc>
-            </a:pPr>
-            <a:r>
-              <a:rPr lang="en-US" sz="3200" b="0" strike="noStrike" spc="-1">
-                <a:latin typeface="Arial"/>
-              </a:rPr>
-              <a:t>What would you do, if you had a team of five persons and half a year to develop this project?</a:t>
-            </a:r>
+            <a:endParaRPr lang="en-US" sz="3200" b="0" strike="noStrike" spc="-1" dirty="0">
+              <a:latin typeface="Arial"/>
+            </a:endParaRPr>
           </a:p>
         </p:txBody>
       </p:sp>
